--- a/design/Final Presentation/FinalPresentation.pptx
+++ b/design/Final Presentation/FinalPresentation.pptx
@@ -1582,7 +1582,7 @@
           </a:ln>
           <a:extLst>
             <a:ext uri="{C572A759-6A51-4108-AA02-DFA0A04FC94B}">
-              <ma14:wrappingTextBoxFlag xmlns="" xmlns:ma14="http://schemas.microsoft.com/office/mac/drawingml/2011/main" val="1"/>
+              <ma14:wrappingTextBoxFlag xmlns:ma14="http://schemas.microsoft.com/office/mac/drawingml/2011/main" xmlns="" val="1"/>
             </a:ext>
           </a:extLst>
         </p:spPr>
@@ -1630,7 +1630,7 @@
           </a:ln>
           <a:extLst>
             <a:ext uri="{C572A759-6A51-4108-AA02-DFA0A04FC94B}">
-              <ma14:wrappingTextBoxFlag xmlns="" xmlns:ma14="http://schemas.microsoft.com/office/mac/drawingml/2011/main" val="1"/>
+              <ma14:wrappingTextBoxFlag xmlns:ma14="http://schemas.microsoft.com/office/mac/drawingml/2011/main" xmlns="" val="1"/>
             </a:ext>
           </a:extLst>
         </p:spPr>
@@ -2064,7 +2064,7 @@
           </a:ln>
           <a:extLst>
             <a:ext uri="{C572A759-6A51-4108-AA02-DFA0A04FC94B}">
-              <ma14:wrappingTextBoxFlag xmlns="" xmlns:ma14="http://schemas.microsoft.com/office/mac/drawingml/2011/main" val="1"/>
+              <ma14:wrappingTextBoxFlag xmlns:ma14="http://schemas.microsoft.com/office/mac/drawingml/2011/main" xmlns="" val="1"/>
             </a:ext>
           </a:extLst>
         </p:spPr>
@@ -2112,7 +2112,7 @@
           </a:ln>
           <a:extLst>
             <a:ext uri="{C572A759-6A51-4108-AA02-DFA0A04FC94B}">
-              <ma14:wrappingTextBoxFlag xmlns="" xmlns:ma14="http://schemas.microsoft.com/office/mac/drawingml/2011/main" val="1"/>
+              <ma14:wrappingTextBoxFlag xmlns:ma14="http://schemas.microsoft.com/office/mac/drawingml/2011/main" xmlns="" val="1"/>
             </a:ext>
           </a:extLst>
         </p:spPr>
@@ -4537,7 +4537,7 @@
           </a:ln>
           <a:extLst>
             <a:ext uri="{C572A759-6A51-4108-AA02-DFA0A04FC94B}">
-              <ma14:wrappingTextBoxFlag xmlns="" xmlns:ma14="http://schemas.microsoft.com/office/mac/drawingml/2011/main" val="1"/>
+              <ma14:wrappingTextBoxFlag xmlns:ma14="http://schemas.microsoft.com/office/mac/drawingml/2011/main" xmlns="" val="1"/>
             </a:ext>
           </a:extLst>
         </p:spPr>
@@ -4576,7 +4576,7 @@
           </a:ln>
           <a:extLst>
             <a:ext uri="{C572A759-6A51-4108-AA02-DFA0A04FC94B}">
-              <ma14:wrappingTextBoxFlag xmlns="" xmlns:ma14="http://schemas.microsoft.com/office/mac/drawingml/2011/main" val="1"/>
+              <ma14:wrappingTextBoxFlag xmlns:ma14="http://schemas.microsoft.com/office/mac/drawingml/2011/main" xmlns="" val="1"/>
             </a:ext>
           </a:extLst>
         </p:spPr>
@@ -5531,7 +5531,7 @@
           </a:ln>
           <a:extLst>
             <a:ext uri="{C572A759-6A51-4108-AA02-DFA0A04FC94B}">
-              <ma14:wrappingTextBoxFlag xmlns="" xmlns:ma14="http://schemas.microsoft.com/office/mac/drawingml/2011/main" val="1"/>
+              <ma14:wrappingTextBoxFlag xmlns:ma14="http://schemas.microsoft.com/office/mac/drawingml/2011/main" xmlns="" val="1"/>
             </a:ext>
           </a:extLst>
         </p:spPr>
@@ -5623,7 +5623,7 @@
           </a:ln>
           <a:extLst>
             <a:ext uri="{C572A759-6A51-4108-AA02-DFA0A04FC94B}">
-              <ma14:wrappingTextBoxFlag xmlns="" xmlns:ma14="http://schemas.microsoft.com/office/mac/drawingml/2011/main" val="1"/>
+              <ma14:wrappingTextBoxFlag xmlns:ma14="http://schemas.microsoft.com/office/mac/drawingml/2011/main" xmlns="" val="1"/>
             </a:ext>
           </a:extLst>
         </p:spPr>
@@ -5784,7 +5784,7 @@
           </a:ln>
           <a:extLst>
             <a:ext uri="{C572A759-6A51-4108-AA02-DFA0A04FC94B}">
-              <ma14:wrappingTextBoxFlag xmlns="" xmlns:ma14="http://schemas.microsoft.com/office/mac/drawingml/2011/main" val="1"/>
+              <ma14:wrappingTextBoxFlag xmlns:ma14="http://schemas.microsoft.com/office/mac/drawingml/2011/main" xmlns="" val="1"/>
             </a:ext>
           </a:extLst>
         </p:spPr>
@@ -5849,11 +5849,6 @@
               </a:rPr>
               <a:t> צורפי</a:t>
             </a:r>
-            <a:endParaRPr lang="he-IL" dirty="0">
-              <a:effectLst/>
-              <a:latin typeface="Guttman Hatzvi" panose="02010401010101010101" pitchFamily="2" charset="-79"/>
-              <a:cs typeface="Guttman Hatzvi" panose="02010401010101010101" pitchFamily="2" charset="-79"/>
-            </a:endParaRPr>
           </a:p>
         </p:txBody>
       </p:sp>
@@ -5945,7 +5940,7 @@
           </a:ln>
           <a:extLst>
             <a:ext uri="{C572A759-6A51-4108-AA02-DFA0A04FC94B}">
-              <ma14:wrappingTextBoxFlag xmlns="" xmlns:ma14="http://schemas.microsoft.com/office/mac/drawingml/2011/main" val="1"/>
+              <ma14:wrappingTextBoxFlag xmlns:ma14="http://schemas.microsoft.com/office/mac/drawingml/2011/main" xmlns="" val="1"/>
             </a:ext>
           </a:extLst>
         </p:spPr>
@@ -6010,7 +6005,7 @@
           </a:ln>
           <a:extLst>
             <a:ext uri="{C572A759-6A51-4108-AA02-DFA0A04FC94B}">
-              <ma14:wrappingTextBoxFlag xmlns="" xmlns:ma14="http://schemas.microsoft.com/office/mac/drawingml/2011/main" val="1"/>
+              <ma14:wrappingTextBoxFlag xmlns:ma14="http://schemas.microsoft.com/office/mac/drawingml/2011/main" xmlns="" val="1"/>
             </a:ext>
           </a:extLst>
         </p:spPr>
@@ -6519,7 +6514,7 @@
           </a:ln>
           <a:extLst>
             <a:ext uri="{C572A759-6A51-4108-AA02-DFA0A04FC94B}">
-              <ma14:wrappingTextBoxFlag xmlns="" xmlns:ma14="http://schemas.microsoft.com/office/mac/drawingml/2011/main" val="1"/>
+              <ma14:wrappingTextBoxFlag xmlns:ma14="http://schemas.microsoft.com/office/mac/drawingml/2011/main" xmlns="" val="1"/>
             </a:ext>
           </a:extLst>
         </p:spPr>
@@ -6576,7 +6571,7 @@
           </a:ln>
           <a:extLst>
             <a:ext uri="{C572A759-6A51-4108-AA02-DFA0A04FC94B}">
-              <ma14:wrappingTextBoxFlag xmlns="" xmlns:ma14="http://schemas.microsoft.com/office/mac/drawingml/2011/main" val="1"/>
+              <ma14:wrappingTextBoxFlag xmlns:ma14="http://schemas.microsoft.com/office/mac/drawingml/2011/main" xmlns="" val="1"/>
             </a:ext>
           </a:extLst>
         </p:spPr>
@@ -6991,7 +6986,7 @@
           </a:ln>
           <a:extLst>
             <a:ext uri="{C572A759-6A51-4108-AA02-DFA0A04FC94B}">
-              <ma14:wrappingTextBoxFlag xmlns="" xmlns:ma14="http://schemas.microsoft.com/office/mac/drawingml/2011/main" val="1"/>
+              <ma14:wrappingTextBoxFlag xmlns:ma14="http://schemas.microsoft.com/office/mac/drawingml/2011/main" xmlns="" val="1"/>
             </a:ext>
           </a:extLst>
         </p:spPr>
@@ -7048,7 +7043,7 @@
           </a:ln>
           <a:extLst>
             <a:ext uri="{C572A759-6A51-4108-AA02-DFA0A04FC94B}">
-              <ma14:wrappingTextBoxFlag xmlns="" xmlns:ma14="http://schemas.microsoft.com/office/mac/drawingml/2011/main" val="1"/>
+              <ma14:wrappingTextBoxFlag xmlns:ma14="http://schemas.microsoft.com/office/mac/drawingml/2011/main" xmlns="" val="1"/>
             </a:ext>
           </a:extLst>
         </p:spPr>
@@ -8137,7 +8132,7 @@
           </a:ln>
           <a:extLst>
             <a:ext uri="{C572A759-6A51-4108-AA02-DFA0A04FC94B}">
-              <ma14:wrappingTextBoxFlag xmlns="" xmlns:ma14="http://schemas.microsoft.com/office/mac/drawingml/2011/main" val="1"/>
+              <ma14:wrappingTextBoxFlag xmlns:ma14="http://schemas.microsoft.com/office/mac/drawingml/2011/main" xmlns="" val="1"/>
             </a:ext>
           </a:extLst>
         </p:spPr>
@@ -8194,7 +8189,7 @@
           </a:ln>
           <a:extLst>
             <a:ext uri="{C572A759-6A51-4108-AA02-DFA0A04FC94B}">
-              <ma14:wrappingTextBoxFlag xmlns="" xmlns:ma14="http://schemas.microsoft.com/office/mac/drawingml/2011/main" val="1"/>
+              <ma14:wrappingTextBoxFlag xmlns:ma14="http://schemas.microsoft.com/office/mac/drawingml/2011/main" xmlns="" val="1"/>
             </a:ext>
           </a:extLst>
         </p:spPr>
@@ -8283,14 +8278,14 @@
               <a:t> </a:t>
             </a:r>
             <a:r>
-              <a:rPr dirty="0" err="1">
-                <a:latin typeface="Guttman Hatzvi" panose="02010401010101010101" pitchFamily="2" charset="-79"/>
-                <a:cs typeface="Guttman Hatzvi" panose="02010401010101010101" pitchFamily="2" charset="-79"/>
-              </a:rPr>
-              <a:t>שיהיה</a:t>
-            </a:r>
-            <a:r>
-              <a:rPr dirty="0">
+              <a:rPr lang="he-IL" dirty="0" smtClean="0">
+                <a:latin typeface="Guttman Hatzvi" panose="02010401010101010101" pitchFamily="2" charset="-79"/>
+                <a:cs typeface="Guttman Hatzvi" panose="02010401010101010101" pitchFamily="2" charset="-79"/>
+              </a:rPr>
+              <a:t>יצירת</a:t>
+            </a:r>
+            <a:r>
+              <a:rPr dirty="0" smtClean="0">
                 <a:latin typeface="Guttman Hatzvi" panose="02010401010101010101" pitchFamily="2" charset="-79"/>
                 <a:cs typeface="Guttman Hatzvi" panose="02010401010101010101" pitchFamily="2" charset="-79"/>
               </a:rPr>
@@ -8311,112 +8306,49 @@
               <a:t> </a:t>
             </a:r>
             <a:r>
-              <a:rPr dirty="0" err="1">
+              <a:rPr dirty="0" err="1" smtClean="0">
                 <a:latin typeface="Guttman Hatzvi" panose="02010401010101010101" pitchFamily="2" charset="-79"/>
                 <a:cs typeface="Guttman Hatzvi" panose="02010401010101010101" pitchFamily="2" charset="-79"/>
               </a:rPr>
               <a:t>ראוי</a:t>
             </a:r>
             <a:r>
-              <a:rPr dirty="0">
-                <a:latin typeface="Guttman Hatzvi" panose="02010401010101010101" pitchFamily="2" charset="-79"/>
-                <a:cs typeface="Guttman Hatzvi" panose="02010401010101010101" pitchFamily="2" charset="-79"/>
-              </a:rPr>
-              <a:t> </a:t>
-            </a:r>
-            <a:r>
-              <a:rPr dirty="0" err="1">
-                <a:latin typeface="Guttman Hatzvi" panose="02010401010101010101" pitchFamily="2" charset="-79"/>
-                <a:cs typeface="Guttman Hatzvi" panose="02010401010101010101" pitchFamily="2" charset="-79"/>
-              </a:rPr>
-              <a:t>להגיש</a:t>
-            </a:r>
-            <a:r>
-              <a:rPr dirty="0">
-                <a:latin typeface="Guttman Hatzvi" panose="02010401010101010101" pitchFamily="2" charset="-79"/>
-                <a:cs typeface="Guttman Hatzvi" panose="02010401010101010101" pitchFamily="2" charset="-79"/>
-              </a:rPr>
-              <a:t> </a:t>
-            </a:r>
-            <a:r>
-              <a:rPr dirty="0" err="1">
+              <a:rPr lang="he-IL" dirty="0" smtClean="0">
+                <a:latin typeface="Guttman Hatzvi" panose="02010401010101010101" pitchFamily="2" charset="-79"/>
+                <a:cs typeface="Guttman Hatzvi" panose="02010401010101010101" pitchFamily="2" charset="-79"/>
+              </a:rPr>
+              <a:t>, יעיל ושימושי</a:t>
+            </a:r>
+            <a:r>
+              <a:rPr dirty="0" smtClean="0">
+                <a:latin typeface="Guttman Hatzvi" panose="02010401010101010101" pitchFamily="2" charset="-79"/>
+                <a:cs typeface="Guttman Hatzvi" panose="02010401010101010101" pitchFamily="2" charset="-79"/>
+              </a:rPr>
+              <a:t> </a:t>
+            </a:r>
+            <a:r>
+              <a:rPr dirty="0" err="1" smtClean="0">
                 <a:latin typeface="Guttman Hatzvi" panose="02010401010101010101" pitchFamily="2" charset="-79"/>
                 <a:cs typeface="Guttman Hatzvi" panose="02010401010101010101" pitchFamily="2" charset="-79"/>
               </a:rPr>
               <a:t>ללקוח</a:t>
             </a:r>
             <a:r>
-              <a:rPr dirty="0">
-                <a:latin typeface="Guttman Hatzvi" panose="02010401010101010101" pitchFamily="2" charset="-79"/>
-                <a:cs typeface="Guttman Hatzvi" panose="02010401010101010101" pitchFamily="2" charset="-79"/>
-              </a:rPr>
-              <a:t> </a:t>
-            </a:r>
-            <a:r>
-              <a:rPr dirty="0" err="1">
-                <a:latin typeface="Guttman Hatzvi" panose="02010401010101010101" pitchFamily="2" charset="-79"/>
-                <a:cs typeface="Guttman Hatzvi" panose="02010401010101010101" pitchFamily="2" charset="-79"/>
-              </a:rPr>
-              <a:t>וזה</a:t>
-            </a:r>
-            <a:r>
-              <a:rPr dirty="0">
-                <a:latin typeface="Guttman Hatzvi" panose="02010401010101010101" pitchFamily="2" charset="-79"/>
-                <a:cs typeface="Guttman Hatzvi" panose="02010401010101010101" pitchFamily="2" charset="-79"/>
-              </a:rPr>
-              <a:t> </a:t>
-            </a:r>
-            <a:r>
-              <a:rPr dirty="0" err="1">
-                <a:latin typeface="Guttman Hatzvi" panose="02010401010101010101" pitchFamily="2" charset="-79"/>
-                <a:cs typeface="Guttman Hatzvi" panose="02010401010101010101" pitchFamily="2" charset="-79"/>
-              </a:rPr>
-              <a:t>אכן</a:t>
-            </a:r>
-            <a:r>
-              <a:rPr dirty="0">
-                <a:latin typeface="Guttman Hatzvi" panose="02010401010101010101" pitchFamily="2" charset="-79"/>
-                <a:cs typeface="Guttman Hatzvi" panose="02010401010101010101" pitchFamily="2" charset="-79"/>
-              </a:rPr>
-              <a:t> </a:t>
-            </a:r>
-            <a:r>
-              <a:rPr dirty="0" err="1">
-                <a:latin typeface="Guttman Hatzvi" panose="02010401010101010101" pitchFamily="2" charset="-79"/>
-                <a:cs typeface="Guttman Hatzvi" panose="02010401010101010101" pitchFamily="2" charset="-79"/>
-              </a:rPr>
-              <a:t>מה</a:t>
-            </a:r>
-            <a:r>
-              <a:rPr dirty="0">
-                <a:latin typeface="Guttman Hatzvi" panose="02010401010101010101" pitchFamily="2" charset="-79"/>
-                <a:cs typeface="Guttman Hatzvi" panose="02010401010101010101" pitchFamily="2" charset="-79"/>
-              </a:rPr>
-              <a:t> </a:t>
-            </a:r>
-            <a:r>
-              <a:rPr dirty="0" err="1">
-                <a:latin typeface="Guttman Hatzvi" panose="02010401010101010101" pitchFamily="2" charset="-79"/>
-                <a:cs typeface="Guttman Hatzvi" panose="02010401010101010101" pitchFamily="2" charset="-79"/>
-              </a:rPr>
-              <a:t>שקרה</a:t>
-            </a:r>
-            <a:r>
-              <a:rPr dirty="0">
-                <a:latin typeface="Guttman Hatzvi" panose="02010401010101010101" pitchFamily="2" charset="-79"/>
-                <a:cs typeface="Guttman Hatzvi" panose="02010401010101010101" pitchFamily="2" charset="-79"/>
-              </a:rPr>
-              <a:t>. </a:t>
-            </a:r>
-            <a:r>
-              <a:rPr dirty="0" err="1">
+              <a:rPr lang="he-IL" dirty="0" smtClean="0">
+                <a:latin typeface="Guttman Hatzvi" panose="02010401010101010101" pitchFamily="2" charset="-79"/>
+                <a:cs typeface="Guttman Hatzvi" panose="02010401010101010101" pitchFamily="2" charset="-79"/>
+              </a:rPr>
+              <a:t>. השגנו יעד זה בזכות כך ש</a:t>
+            </a:r>
+            <a:r>
+              <a:rPr dirty="0" err="1" smtClean="0">
                 <a:latin typeface="Guttman Hatzvi" panose="02010401010101010101" pitchFamily="2" charset="-79"/>
                 <a:cs typeface="Guttman Hatzvi" panose="02010401010101010101" pitchFamily="2" charset="-79"/>
               </a:rPr>
               <a:t>עבדנו</a:t>
             </a:r>
             <a:r>
-              <a:rPr dirty="0">
+              <a:rPr dirty="0" smtClean="0">
                 <a:latin typeface="Guttman Hatzvi" panose="02010401010101010101" pitchFamily="2" charset="-79"/>
                 <a:cs typeface="Guttman Hatzvi" panose="02010401010101010101" pitchFamily="2" charset="-79"/>
               </a:rPr>
@@ -8451,47 +8383,72 @@
               <a:t> </a:t>
             </a:r>
             <a:r>
-              <a:rPr dirty="0" err="1">
+              <a:rPr dirty="0" err="1" smtClean="0">
                 <a:latin typeface="Guttman Hatzvi" panose="02010401010101010101" pitchFamily="2" charset="-79"/>
                 <a:cs typeface="Guttman Hatzvi" panose="02010401010101010101" pitchFamily="2" charset="-79"/>
               </a:rPr>
               <a:t>מתוכננים</a:t>
             </a:r>
             <a:r>
-              <a:rPr dirty="0">
-                <a:latin typeface="Guttman Hatzvi" panose="02010401010101010101" pitchFamily="2" charset="-79"/>
-                <a:cs typeface="Guttman Hatzvi" panose="02010401010101010101" pitchFamily="2" charset="-79"/>
-              </a:rPr>
-              <a:t> </a:t>
-            </a:r>
-            <a:r>
-              <a:rPr dirty="0" err="1">
+              <a:rPr lang="he-IL" dirty="0" smtClean="0">
+                <a:latin typeface="Guttman Hatzvi" panose="02010401010101010101" pitchFamily="2" charset="-79"/>
+                <a:cs typeface="Guttman Hatzvi" panose="02010401010101010101" pitchFamily="2" charset="-79"/>
+              </a:rPr>
+              <a:t> מראש</a:t>
+            </a:r>
+            <a:r>
+              <a:rPr dirty="0" smtClean="0">
+                <a:latin typeface="Guttman Hatzvi" panose="02010401010101010101" pitchFamily="2" charset="-79"/>
+                <a:cs typeface="Guttman Hatzvi" panose="02010401010101010101" pitchFamily="2" charset="-79"/>
+              </a:rPr>
+              <a:t> </a:t>
+            </a:r>
+            <a:r>
+              <a:rPr dirty="0" err="1" smtClean="0">
                 <a:latin typeface="Guttman Hatzvi" panose="02010401010101010101" pitchFamily="2" charset="-79"/>
                 <a:cs typeface="Guttman Hatzvi" panose="02010401010101010101" pitchFamily="2" charset="-79"/>
               </a:rPr>
               <a:t>ולפי</a:t>
             </a:r>
             <a:r>
-              <a:rPr dirty="0">
-                <a:latin typeface="Guttman Hatzvi" panose="02010401010101010101" pitchFamily="2" charset="-79"/>
-                <a:cs typeface="Guttman Hatzvi" panose="02010401010101010101" pitchFamily="2" charset="-79"/>
-              </a:rPr>
-              <a:t> </a:t>
-            </a:r>
-            <a:r>
-              <a:rPr dirty="0" err="1">
+              <a:rPr lang="he-IL" dirty="0" smtClean="0">
+                <a:latin typeface="Guttman Hatzvi" panose="02010401010101010101" pitchFamily="2" charset="-79"/>
+                <a:cs typeface="Guttman Hatzvi" panose="02010401010101010101" pitchFamily="2" charset="-79"/>
+              </a:rPr>
+              <a:t> סדר</a:t>
+            </a:r>
+            <a:r>
+              <a:rPr dirty="0" smtClean="0">
+                <a:latin typeface="Guttman Hatzvi" panose="02010401010101010101" pitchFamily="2" charset="-79"/>
+                <a:cs typeface="Guttman Hatzvi" panose="02010401010101010101" pitchFamily="2" charset="-79"/>
+              </a:rPr>
+              <a:t> </a:t>
+            </a:r>
+            <a:r>
+              <a:rPr dirty="0" err="1" smtClean="0">
                 <a:latin typeface="Guttman Hatzvi" panose="02010401010101010101" pitchFamily="2" charset="-79"/>
                 <a:cs typeface="Guttman Hatzvi" panose="02010401010101010101" pitchFamily="2" charset="-79"/>
               </a:rPr>
               <a:t>האיטרציות</a:t>
             </a:r>
             <a:r>
-              <a:rPr dirty="0">
+              <a:rPr lang="he-IL" dirty="0" smtClean="0">
+                <a:latin typeface="Guttman Hatzvi" panose="02010401010101010101" pitchFamily="2" charset="-79"/>
+                <a:cs typeface="Guttman Hatzvi" panose="02010401010101010101" pitchFamily="2" charset="-79"/>
+              </a:rPr>
+              <a:t> ומטלותיהן</a:t>
+            </a:r>
+            <a:r>
+              <a:rPr dirty="0" smtClean="0">
                 <a:latin typeface="Guttman Hatzvi" panose="02010401010101010101" pitchFamily="2" charset="-79"/>
                 <a:cs typeface="Guttman Hatzvi" panose="02010401010101010101" pitchFamily="2" charset="-79"/>
               </a:rPr>
               <a:t>.</a:t>
             </a:r>
+            <a:endParaRPr dirty="0">
+              <a:latin typeface="Guttman Hatzvi" panose="02010401010101010101" pitchFamily="2" charset="-79"/>
+              <a:cs typeface="Guttman Hatzvi" panose="02010401010101010101" pitchFamily="2" charset="-79"/>
+            </a:endParaRPr>
           </a:p>
           <a:p>
             <a:pPr algn="r">
@@ -8545,28 +8502,28 @@
               <a:t> </a:t>
             </a:r>
             <a:r>
-              <a:rPr dirty="0" err="1">
-                <a:latin typeface="Guttman Hatzvi" panose="02010401010101010101" pitchFamily="2" charset="-79"/>
-                <a:cs typeface="Guttman Hatzvi" panose="02010401010101010101" pitchFamily="2" charset="-79"/>
-              </a:rPr>
-              <a:t>משהו</a:t>
-            </a:r>
-            <a:r>
-              <a:rPr dirty="0">
-                <a:latin typeface="Guttman Hatzvi" panose="02010401010101010101" pitchFamily="2" charset="-79"/>
-                <a:cs typeface="Guttman Hatzvi" panose="02010401010101010101" pitchFamily="2" charset="-79"/>
-              </a:rPr>
-              <a:t> </a:t>
-            </a:r>
-            <a:r>
-              <a:rPr dirty="0" err="1">
-                <a:latin typeface="Guttman Hatzvi" panose="02010401010101010101" pitchFamily="2" charset="-79"/>
-                <a:cs typeface="Guttman Hatzvi" panose="02010401010101010101" pitchFamily="2" charset="-79"/>
-              </a:rPr>
-              <a:t>שאותו</a:t>
-            </a:r>
-            <a:r>
-              <a:rPr dirty="0">
+              <a:rPr lang="he-IL" dirty="0" smtClean="0">
+                <a:latin typeface="Guttman Hatzvi" panose="02010401010101010101" pitchFamily="2" charset="-79"/>
+                <a:cs typeface="Guttman Hatzvi" panose="02010401010101010101" pitchFamily="2" charset="-79"/>
+              </a:rPr>
+              <a:t>דרכים יעילות יותר לעבוד </a:t>
+            </a:r>
+            <a:r>
+              <a:rPr dirty="0" err="1" smtClean="0">
+                <a:latin typeface="Guttman Hatzvi" panose="02010401010101010101" pitchFamily="2" charset="-79"/>
+                <a:cs typeface="Guttman Hatzvi" panose="02010401010101010101" pitchFamily="2" charset="-79"/>
+              </a:rPr>
+              <a:t>שאות</a:t>
+            </a:r>
+            <a:r>
+              <a:rPr lang="he-IL" dirty="0" smtClean="0">
+                <a:latin typeface="Guttman Hatzvi" panose="02010401010101010101" pitchFamily="2" charset="-79"/>
+                <a:cs typeface="Guttman Hatzvi" panose="02010401010101010101" pitchFamily="2" charset="-79"/>
+              </a:rPr>
+              <a:t>ן</a:t>
+            </a:r>
+            <a:r>
+              <a:rPr dirty="0" smtClean="0">
                 <a:latin typeface="Guttman Hatzvi" panose="02010401010101010101" pitchFamily="2" charset="-79"/>
                 <a:cs typeface="Guttman Hatzvi" panose="02010401010101010101" pitchFamily="2" charset="-79"/>
               </a:rPr>
@@ -8601,28 +8558,28 @@
               <a:t> </a:t>
             </a:r>
             <a:r>
-              <a:rPr dirty="0" err="1">
+              <a:rPr dirty="0" err="1" smtClean="0">
                 <a:latin typeface="Guttman Hatzvi" panose="02010401010101010101" pitchFamily="2" charset="-79"/>
                 <a:cs typeface="Guttman Hatzvi" panose="02010401010101010101" pitchFamily="2" charset="-79"/>
               </a:rPr>
               <a:t>הבאה</a:t>
             </a:r>
             <a:r>
-              <a:rPr dirty="0">
-                <a:latin typeface="Guttman Hatzvi" panose="02010401010101010101" pitchFamily="2" charset="-79"/>
-                <a:cs typeface="Guttman Hatzvi" panose="02010401010101010101" pitchFamily="2" charset="-79"/>
-              </a:rPr>
-              <a:t> </a:t>
-            </a:r>
-            <a:r>
-              <a:rPr dirty="0" err="1">
-                <a:latin typeface="Guttman Hatzvi" panose="02010401010101010101" pitchFamily="2" charset="-79"/>
-                <a:cs typeface="Guttman Hatzvi" panose="02010401010101010101" pitchFamily="2" charset="-79"/>
-              </a:rPr>
-              <a:t>והפקנו</a:t>
-            </a:r>
-            <a:r>
-              <a:rPr dirty="0">
+              <a:rPr lang="he-IL" dirty="0" smtClean="0">
+                <a:latin typeface="Guttman Hatzvi" panose="02010401010101010101" pitchFamily="2" charset="-79"/>
+                <a:cs typeface="Guttman Hatzvi" panose="02010401010101010101" pitchFamily="2" charset="-79"/>
+              </a:rPr>
+              <a:t>, </a:t>
+            </a:r>
+            <a:r>
+              <a:rPr dirty="0" err="1" smtClean="0">
+                <a:latin typeface="Guttman Hatzvi" panose="02010401010101010101" pitchFamily="2" charset="-79"/>
+                <a:cs typeface="Guttman Hatzvi" panose="02010401010101010101" pitchFamily="2" charset="-79"/>
+              </a:rPr>
+              <a:t>הפקנו</a:t>
+            </a:r>
+            <a:r>
+              <a:rPr dirty="0" smtClean="0">
                 <a:latin typeface="Guttman Hatzvi" panose="02010401010101010101" pitchFamily="2" charset="-79"/>
                 <a:cs typeface="Guttman Hatzvi" panose="02010401010101010101" pitchFamily="2" charset="-79"/>
               </a:rPr>
@@ -8793,70 +8750,70 @@
               </a:defRPr>
             </a:pPr>
             <a:r>
-              <a:rPr dirty="0" err="1">
-                <a:latin typeface="Guttman Hatzvi" panose="02010401010101010101" pitchFamily="2" charset="-79"/>
-                <a:cs typeface="Guttman Hatzvi" panose="02010401010101010101" pitchFamily="2" charset="-79"/>
-              </a:rPr>
-              <a:t>לדוגמא</a:t>
-            </a:r>
-            <a:r>
-              <a:rPr dirty="0">
-                <a:latin typeface="Guttman Hatzvi" panose="02010401010101010101" pitchFamily="2" charset="-79"/>
-                <a:cs typeface="Guttman Hatzvi" panose="02010401010101010101" pitchFamily="2" charset="-79"/>
-              </a:rPr>
-              <a:t> , </a:t>
-            </a:r>
-            <a:r>
-              <a:rPr dirty="0" err="1">
-                <a:latin typeface="Guttman Hatzvi" panose="02010401010101010101" pitchFamily="2" charset="-79"/>
-                <a:cs typeface="Guttman Hatzvi" panose="02010401010101010101" pitchFamily="2" charset="-79"/>
-              </a:rPr>
-              <a:t>באיטרציה</a:t>
-            </a:r>
-            <a:r>
-              <a:rPr dirty="0">
-                <a:latin typeface="Guttman Hatzvi" panose="02010401010101010101" pitchFamily="2" charset="-79"/>
-                <a:cs typeface="Guttman Hatzvi" panose="02010401010101010101" pitchFamily="2" charset="-79"/>
-              </a:rPr>
-              <a:t> </a:t>
-            </a:r>
-            <a:r>
-              <a:rPr dirty="0" err="1">
-                <a:latin typeface="Guttman Hatzvi" panose="02010401010101010101" pitchFamily="2" charset="-79"/>
-                <a:cs typeface="Guttman Hatzvi" panose="02010401010101010101" pitchFamily="2" charset="-79"/>
-              </a:rPr>
-              <a:t>של</a:t>
-            </a:r>
-            <a:r>
-              <a:rPr dirty="0">
-                <a:latin typeface="Guttman Hatzvi" panose="02010401010101010101" pitchFamily="2" charset="-79"/>
-                <a:cs typeface="Guttman Hatzvi" panose="02010401010101010101" pitchFamily="2" charset="-79"/>
-              </a:rPr>
-              <a:t> ה-</a:t>
-            </a:r>
-            <a:r>
-              <a:rPr dirty="0">
-                <a:latin typeface="Arial" panose="020B0604020202020204" pitchFamily="34" charset="0"/>
-                <a:cs typeface="Arial" panose="020B0604020202020204" pitchFamily="34" charset="0"/>
+              <a:rPr dirty="0" err="1" smtClean="0">
+                <a:latin typeface="Guttman Hatzvi" panose="02010401010101010101" pitchFamily="2" charset="-79"/>
+                <a:cs typeface="Guttman Hatzvi" panose="02010401010101010101" pitchFamily="2" charset="-79"/>
+              </a:rPr>
+              <a:t>לדוגמ</a:t>
+            </a:r>
+            <a:r>
+              <a:rPr lang="he-IL" dirty="0" smtClean="0">
+                <a:latin typeface="Guttman Hatzvi" panose="02010401010101010101" pitchFamily="2" charset="-79"/>
+                <a:cs typeface="Guttman Hatzvi" panose="02010401010101010101" pitchFamily="2" charset="-79"/>
+              </a:rPr>
+              <a:t>א</a:t>
+            </a:r>
+            <a:r>
+              <a:rPr lang="he-IL" dirty="0">
+                <a:latin typeface="Guttman Hatzvi" panose="02010401010101010101" pitchFamily="2" charset="-79"/>
+                <a:cs typeface="Guttman Hatzvi" panose="02010401010101010101" pitchFamily="2" charset="-79"/>
+              </a:rPr>
+              <a:t>,</a:t>
+            </a:r>
+            <a:r>
+              <a:rPr dirty="0" smtClean="0">
+                <a:latin typeface="Guttman Hatzvi" panose="02010401010101010101" pitchFamily="2" charset="-79"/>
+                <a:cs typeface="Guttman Hatzvi" panose="02010401010101010101" pitchFamily="2" charset="-79"/>
+              </a:rPr>
+              <a:t> </a:t>
+            </a:r>
+            <a:r>
+              <a:rPr dirty="0" err="1" smtClean="0">
+                <a:latin typeface="Guttman Hatzvi" panose="02010401010101010101" pitchFamily="2" charset="-79"/>
+                <a:cs typeface="Guttman Hatzvi" panose="02010401010101010101" pitchFamily="2" charset="-79"/>
+              </a:rPr>
+              <a:t>באיטרצי</a:t>
+            </a:r>
+            <a:r>
+              <a:rPr lang="he-IL" dirty="0" smtClean="0">
+                <a:latin typeface="Guttman Hatzvi" panose="02010401010101010101" pitchFamily="2" charset="-79"/>
+                <a:cs typeface="Guttman Hatzvi" panose="02010401010101010101" pitchFamily="2" charset="-79"/>
+              </a:rPr>
+              <a:t>ת ה-</a:t>
+            </a:r>
+            <a:r>
+              <a:rPr lang="en-US" dirty="0" smtClean="0">
+                <a:latin typeface="Guttman Hatzvi" panose="02010401010101010101" pitchFamily="2" charset="-79"/>
+                <a:cs typeface="Guttman Hatzvi" panose="02010401010101010101" pitchFamily="2" charset="-79"/>
               </a:rPr>
               <a:t>ZFR</a:t>
             </a:r>
             <a:r>
-              <a:rPr dirty="0">
-                <a:latin typeface="Guttman Hatzvi" panose="02010401010101010101" pitchFamily="2" charset="-79"/>
-                <a:cs typeface="Guttman Hatzvi" panose="02010401010101010101" pitchFamily="2" charset="-79"/>
-              </a:rPr>
-              <a:t> ,</a:t>
-            </a:r>
-            <a:r>
-              <a:rPr dirty="0" err="1">
+              <a:rPr lang="he-IL" dirty="0" smtClean="0">
+                <a:latin typeface="Guttman Hatzvi" panose="02010401010101010101" pitchFamily="2" charset="-79"/>
+                <a:cs typeface="Guttman Hatzvi" panose="02010401010101010101" pitchFamily="2" charset="-79"/>
+              </a:rPr>
+              <a:t> </a:t>
+            </a:r>
+            <a:r>
+              <a:rPr dirty="0" err="1" smtClean="0">
                 <a:latin typeface="Guttman Hatzvi" panose="02010401010101010101" pitchFamily="2" charset="-79"/>
                 <a:cs typeface="Guttman Hatzvi" panose="02010401010101010101" pitchFamily="2" charset="-79"/>
               </a:rPr>
               <a:t>שהייתה</a:t>
             </a:r>
             <a:r>
-              <a:rPr dirty="0">
+              <a:rPr dirty="0" smtClean="0">
                 <a:latin typeface="Guttman Hatzvi" panose="02010401010101010101" pitchFamily="2" charset="-79"/>
                 <a:cs typeface="Guttman Hatzvi" panose="02010401010101010101" pitchFamily="2" charset="-79"/>
               </a:rPr>
@@ -8877,14 +8834,21 @@
               <a:t> </a:t>
             </a:r>
             <a:r>
-              <a:rPr dirty="0" err="1">
+              <a:rPr dirty="0" err="1" smtClean="0">
                 <a:latin typeface="Guttman Hatzvi" panose="02010401010101010101" pitchFamily="2" charset="-79"/>
                 <a:cs typeface="Guttman Hatzvi" panose="02010401010101010101" pitchFamily="2" charset="-79"/>
               </a:rPr>
               <a:t>הראשונה</a:t>
             </a:r>
             <a:r>
-              <a:rPr dirty="0">
+              <a:rPr lang="he-IL" dirty="0" smtClean="0">
+                <a:latin typeface="Guttman Hatzvi" panose="02010401010101010101" pitchFamily="2" charset="-79"/>
+                <a:cs typeface="Guttman Hatzvi" panose="02010401010101010101" pitchFamily="2" charset="-79"/>
+              </a:rPr>
+              <a:t>,</a:t>
+            </a:r>
+            <a:r>
+              <a:rPr dirty="0" smtClean="0">
                 <a:latin typeface="Guttman Hatzvi" panose="02010401010101010101" pitchFamily="2" charset="-79"/>
                 <a:cs typeface="Guttman Hatzvi" panose="02010401010101010101" pitchFamily="2" charset="-79"/>
               </a:rPr>
@@ -9003,70 +8967,35 @@
               <a:t> </a:t>
             </a:r>
             <a:r>
-              <a:rPr dirty="0" err="1">
-                <a:latin typeface="Guttman Hatzvi" panose="02010401010101010101" pitchFamily="2" charset="-79"/>
-                <a:cs typeface="Guttman Hatzvi" panose="02010401010101010101" pitchFamily="2" charset="-79"/>
-              </a:rPr>
-              <a:t>כשבאנו</a:t>
-            </a:r>
-            <a:r>
-              <a:rPr dirty="0">
-                <a:latin typeface="Guttman Hatzvi" panose="02010401010101010101" pitchFamily="2" charset="-79"/>
-                <a:cs typeface="Guttman Hatzvi" panose="02010401010101010101" pitchFamily="2" charset="-79"/>
-              </a:rPr>
-              <a:t> </a:t>
-            </a:r>
-            <a:r>
-              <a:rPr dirty="0" err="1">
-                <a:latin typeface="Guttman Hatzvi" panose="02010401010101010101" pitchFamily="2" charset="-79"/>
-                <a:cs typeface="Guttman Hatzvi" panose="02010401010101010101" pitchFamily="2" charset="-79"/>
-              </a:rPr>
-              <a:t>לתכנן</a:t>
-            </a:r>
-            <a:r>
-              <a:rPr dirty="0">
-                <a:latin typeface="Guttman Hatzvi" panose="02010401010101010101" pitchFamily="2" charset="-79"/>
-                <a:cs typeface="Guttman Hatzvi" panose="02010401010101010101" pitchFamily="2" charset="-79"/>
-              </a:rPr>
-              <a:t> </a:t>
-            </a:r>
-            <a:r>
-              <a:rPr dirty="0" err="1">
-                <a:latin typeface="Guttman Hatzvi" panose="02010401010101010101" pitchFamily="2" charset="-79"/>
-                <a:cs typeface="Guttman Hatzvi" panose="02010401010101010101" pitchFamily="2" charset="-79"/>
-              </a:rPr>
-              <a:t>את</a:t>
-            </a:r>
-            <a:r>
-              <a:rPr dirty="0">
-                <a:latin typeface="Guttman Hatzvi" panose="02010401010101010101" pitchFamily="2" charset="-79"/>
-                <a:cs typeface="Guttman Hatzvi" panose="02010401010101010101" pitchFamily="2" charset="-79"/>
-              </a:rPr>
-              <a:t> </a:t>
-            </a:r>
-            <a:r>
-              <a:rPr dirty="0" err="1">
+              <a:rPr lang="he-IL" dirty="0" smtClean="0">
+                <a:latin typeface="Guttman Hatzvi" panose="02010401010101010101" pitchFamily="2" charset="-79"/>
+                <a:cs typeface="Guttman Hatzvi" panose="02010401010101010101" pitchFamily="2" charset="-79"/>
+              </a:rPr>
+              <a:t>בתכנון </a:t>
+            </a:r>
+            <a:r>
+              <a:rPr dirty="0" err="1" smtClean="0">
                 <a:latin typeface="Guttman Hatzvi" panose="02010401010101010101" pitchFamily="2" charset="-79"/>
                 <a:cs typeface="Guttman Hatzvi" panose="02010401010101010101" pitchFamily="2" charset="-79"/>
               </a:rPr>
               <a:t>האיטרציה</a:t>
             </a:r>
             <a:r>
-              <a:rPr dirty="0">
-                <a:latin typeface="Guttman Hatzvi" panose="02010401010101010101" pitchFamily="2" charset="-79"/>
-                <a:cs typeface="Guttman Hatzvi" panose="02010401010101010101" pitchFamily="2" charset="-79"/>
-              </a:rPr>
-              <a:t> </a:t>
-            </a:r>
-            <a:r>
-              <a:rPr dirty="0" err="1">
-                <a:latin typeface="Guttman Hatzvi" panose="02010401010101010101" pitchFamily="2" charset="-79"/>
-                <a:cs typeface="Guttman Hatzvi" panose="02010401010101010101" pitchFamily="2" charset="-79"/>
-              </a:rPr>
-              <a:t>הבאה</a:t>
-            </a:r>
-            <a:r>
-              <a:rPr dirty="0">
+              <a:rPr dirty="0" smtClean="0">
+                <a:latin typeface="Guttman Hatzvi" panose="02010401010101010101" pitchFamily="2" charset="-79"/>
+                <a:cs typeface="Guttman Hatzvi" panose="02010401010101010101" pitchFamily="2" charset="-79"/>
+              </a:rPr>
+              <a:t> </a:t>
+            </a:r>
+            <a:r>
+              <a:rPr lang="he-IL" dirty="0" smtClean="0">
+                <a:latin typeface="Guttman Hatzvi" panose="02010401010101010101" pitchFamily="2" charset="-79"/>
+                <a:cs typeface="Guttman Hatzvi" panose="02010401010101010101" pitchFamily="2" charset="-79"/>
+              </a:rPr>
+              <a:t>שלאחריה</a:t>
+            </a:r>
+            <a:r>
+              <a:rPr dirty="0" smtClean="0">
                 <a:latin typeface="Guttman Hatzvi" panose="02010401010101010101" pitchFamily="2" charset="-79"/>
                 <a:cs typeface="Guttman Hatzvi" panose="02010401010101010101" pitchFamily="2" charset="-79"/>
               </a:rPr>
@@ -9199,14 +9128,14 @@
               <a:t> </a:t>
             </a:r>
             <a:r>
-              <a:rPr dirty="0" err="1">
-                <a:latin typeface="Guttman Hatzvi" panose="02010401010101010101" pitchFamily="2" charset="-79"/>
-                <a:cs typeface="Guttman Hatzvi" panose="02010401010101010101" pitchFamily="2" charset="-79"/>
-              </a:rPr>
-              <a:t>העבודה</a:t>
-            </a:r>
-            <a:r>
-              <a:rPr dirty="0">
+              <a:rPr lang="he-IL" dirty="0" smtClean="0">
+                <a:latin typeface="Guttman Hatzvi" panose="02010401010101010101" pitchFamily="2" charset="-79"/>
+                <a:cs typeface="Guttman Hatzvi" panose="02010401010101010101" pitchFamily="2" charset="-79"/>
+              </a:rPr>
+              <a:t>כל משימה באיטרציה</a:t>
+            </a:r>
+            <a:r>
+              <a:rPr dirty="0" smtClean="0">
                 <a:latin typeface="Guttman Hatzvi" panose="02010401010101010101" pitchFamily="2" charset="-79"/>
                 <a:cs typeface="Guttman Hatzvi" panose="02010401010101010101" pitchFamily="2" charset="-79"/>
               </a:rPr>
@@ -9339,19 +9268,23 @@
               <a:t> </a:t>
             </a:r>
             <a:r>
-              <a:rPr dirty="0" err="1">
+              <a:rPr dirty="0" err="1" smtClean="0">
                 <a:latin typeface="Guttman Hatzvi" panose="02010401010101010101" pitchFamily="2" charset="-79"/>
                 <a:cs typeface="Guttman Hatzvi" panose="02010401010101010101" pitchFamily="2" charset="-79"/>
               </a:rPr>
               <a:t>זמן</a:t>
             </a:r>
             <a:r>
-              <a:rPr dirty="0">
-                <a:latin typeface="Guttman Hatzvi" panose="02010401010101010101" pitchFamily="2" charset="-79"/>
-                <a:cs typeface="Guttman Hatzvi" panose="02010401010101010101" pitchFamily="2" charset="-79"/>
-              </a:rPr>
-              <a:t> .</a:t>
-            </a:r>
+              <a:rPr lang="he-IL" dirty="0">
+                <a:latin typeface="Guttman Hatzvi" panose="02010401010101010101" pitchFamily="2" charset="-79"/>
+                <a:cs typeface="Guttman Hatzvi" panose="02010401010101010101" pitchFamily="2" charset="-79"/>
+              </a:rPr>
+              <a:t>.</a:t>
+            </a:r>
+            <a:endParaRPr dirty="0">
+              <a:latin typeface="Guttman Hatzvi" panose="02010401010101010101" pitchFamily="2" charset="-79"/>
+              <a:cs typeface="Guttman Hatzvi" panose="02010401010101010101" pitchFamily="2" charset="-79"/>
+            </a:endParaRPr>
           </a:p>
         </p:txBody>
       </p:sp>
@@ -9443,7 +9376,7 @@
           </a:ln>
           <a:extLst>
             <a:ext uri="{C572A759-6A51-4108-AA02-DFA0A04FC94B}">
-              <ma14:wrappingTextBoxFlag xmlns="" xmlns:ma14="http://schemas.microsoft.com/office/mac/drawingml/2011/main" val="1"/>
+              <ma14:wrappingTextBoxFlag xmlns:ma14="http://schemas.microsoft.com/office/mac/drawingml/2011/main" xmlns="" val="1"/>
             </a:ext>
           </a:extLst>
         </p:spPr>
@@ -9508,7 +9441,7 @@
           </a:ln>
           <a:extLst>
             <a:ext uri="{C572A759-6A51-4108-AA02-DFA0A04FC94B}">
-              <ma14:wrappingTextBoxFlag xmlns="" xmlns:ma14="http://schemas.microsoft.com/office/mac/drawingml/2011/main" val="1"/>
+              <ma14:wrappingTextBoxFlag xmlns:ma14="http://schemas.microsoft.com/office/mac/drawingml/2011/main" xmlns="" val="1"/>
             </a:ext>
           </a:extLst>
         </p:spPr>
@@ -9544,11 +9477,25 @@
               </a:defRPr>
             </a:pPr>
             <a:r>
+              <a:rPr lang="he-IL" dirty="0" smtClean="0">
+                <a:latin typeface="Guttman Hatzvi" panose="02010401010101010101" pitchFamily="2" charset="-79"/>
+                <a:cs typeface="Guttman Hatzvi" panose="02010401010101010101" pitchFamily="2" charset="-79"/>
+              </a:rPr>
+              <a:t>כדי </a:t>
+            </a:r>
+            <a:r>
+              <a:rPr lang="he-IL" dirty="0" smtClean="0">
+                <a:latin typeface="Guttman Hatzvi" panose="02010401010101010101" pitchFamily="2" charset="-79"/>
+                <a:cs typeface="Guttman Hatzvi" panose="02010401010101010101" pitchFamily="2" charset="-79"/>
+              </a:rPr>
+              <a:t>לשמור </a:t>
+            </a:r>
+            <a:r>
               <a:rPr lang="he-IL" dirty="0">
                 <a:latin typeface="Guttman Hatzvi" panose="02010401010101010101" pitchFamily="2" charset="-79"/>
                 <a:cs typeface="Guttman Hatzvi" panose="02010401010101010101" pitchFamily="2" charset="-79"/>
               </a:rPr>
-              <a:t>על מנת לשמור על אבטחת המידע והכניסה לממשק הניהול </a:t>
+              <a:t>על אבטחת המידע והכניסה לממשק הניהול </a:t>
             </a:r>
             <a:r>
               <a:rPr lang="he-IL" dirty="0" smtClean="0">
@@ -9604,7 +9551,7 @@
                 <a:latin typeface="Guttman Hatzvi" panose="02010401010101010101" pitchFamily="2" charset="-79"/>
                 <a:cs typeface="Guttman Hatzvi" panose="02010401010101010101" pitchFamily="2" charset="-79"/>
               </a:rPr>
-              <a:t>   </a:t>
+              <a:t> </a:t>
             </a:r>
             <a:r>
               <a:rPr lang="en-US" dirty="0" smtClean="0">
@@ -9613,8 +9560,7 @@
               <a:t>google</a:t>
             </a:r>
             <a:r>
-              <a:rPr lang="en-US" dirty="0" smtClean="0">
-                <a:latin typeface="Guttman Hatzvi" panose="02010401010101010101" pitchFamily="2" charset="-79"/>
+              <a:rPr lang="en-US" dirty="0">
                 <a:cs typeface="Guttman Hatzvi" panose="02010401010101010101" pitchFamily="2" charset="-79"/>
               </a:rPr>
               <a:t> </a:t>
@@ -9624,15 +9570,26 @@
                 <a:latin typeface="Guttman Hatzvi" panose="02010401010101010101" pitchFamily="2" charset="-79"/>
                 <a:cs typeface="Guttman Hatzvi" panose="02010401010101010101" pitchFamily="2" charset="-79"/>
               </a:rPr>
-              <a:t> והיא </a:t>
+              <a:t>והיא </a:t>
             </a:r>
             <a:r>
               <a:rPr lang="he-IL" dirty="0">
                 <a:latin typeface="Guttman Hatzvi" panose="02010401010101010101" pitchFamily="2" charset="-79"/>
                 <a:cs typeface="Guttman Hatzvi" panose="02010401010101010101" pitchFamily="2" charset="-79"/>
               </a:rPr>
-              <a:t>מאובטחת וקלה לתפעול. </a:t>
-            </a:r>
+              <a:t>מאובטחת וקלה לתפעול</a:t>
+            </a:r>
+            <a:r>
+              <a:rPr lang="he-IL" dirty="0" smtClean="0">
+                <a:latin typeface="Guttman Hatzvi" panose="02010401010101010101" pitchFamily="2" charset="-79"/>
+                <a:cs typeface="Guttman Hatzvi" panose="02010401010101010101" pitchFamily="2" charset="-79"/>
+              </a:rPr>
+              <a:t>.</a:t>
+            </a:r>
+            <a:endParaRPr lang="he-IL" dirty="0">
+              <a:latin typeface="Guttman Hatzvi" panose="02010401010101010101" pitchFamily="2" charset="-79"/>
+              <a:cs typeface="Guttman Hatzvi" panose="02010401010101010101" pitchFamily="2" charset="-79"/>
+            </a:endParaRPr>
           </a:p>
           <a:p>
             <a:pPr algn="r">
@@ -9648,21 +9605,21 @@
                 <a:latin typeface="Guttman Hatzvi" panose="02010401010101010101" pitchFamily="2" charset="-79"/>
                 <a:cs typeface="Guttman Hatzvi" panose="02010401010101010101" pitchFamily="2" charset="-79"/>
               </a:rPr>
-              <a:t>רשימת החשבונות אשר מורשים להיכנס לממשק הניהול רשומה במסדי הנתונים ובעת הכניסה מתבצעת בדיקה האם חשבון </a:t>
-            </a:r>
-            <a:r>
-              <a:rPr lang="he-IL" dirty="0" err="1">
-                <a:latin typeface="Guttman Hatzvi" panose="02010401010101010101" pitchFamily="2" charset="-79"/>
-                <a:cs typeface="Guttman Hatzvi" panose="02010401010101010101" pitchFamily="2" charset="-79"/>
-              </a:rPr>
-              <a:t>הגוגל</a:t>
+              <a:t>רשימת החשבונות אשר מורשים להיכנס לממשק הניהול </a:t>
+            </a:r>
+            <a:r>
+              <a:rPr lang="he-IL" dirty="0" smtClean="0">
+                <a:latin typeface="Guttman Hatzvi" panose="02010401010101010101" pitchFamily="2" charset="-79"/>
+                <a:cs typeface="Guttman Hatzvi" panose="02010401010101010101" pitchFamily="2" charset="-79"/>
+              </a:rPr>
+              <a:t>מוגדרת </a:t>
             </a:r>
             <a:r>
               <a:rPr lang="he-IL" dirty="0">
                 <a:latin typeface="Guttman Hatzvi" panose="02010401010101010101" pitchFamily="2" charset="-79"/>
                 <a:cs typeface="Guttman Hatzvi" panose="02010401010101010101" pitchFamily="2" charset="-79"/>
               </a:rPr>
-              <a:t> הוא אכן מנהל.</a:t>
+              <a:t>במסדי הנתונים ובעת הכניסה מתבצעת בדיקה האם חשבון הגוגל הוא אכן מנהל.</a:t>
             </a:r>
           </a:p>
           <a:p>
@@ -9681,10 +9638,6 @@
               </a:rPr>
               <a:t>למעשה אפשר לומר שהאבטחה של גוגל היא מהטובות בעולם ולכן בחרנו לעבוד עם הממשק שלהם.</a:t>
             </a:r>
-            <a:endParaRPr lang="he-IL" dirty="0">
-              <a:latin typeface="Guttman Hatzvi" panose="02010401010101010101" pitchFamily="2" charset="-79"/>
-              <a:cs typeface="Guttman Hatzvi" panose="02010401010101010101" pitchFamily="2" charset="-79"/>
-            </a:endParaRPr>
           </a:p>
         </p:txBody>
       </p:sp>
@@ -9740,7 +9693,7 @@
           </a:ln>
           <a:extLst>
             <a:ext uri="{C572A759-6A51-4108-AA02-DFA0A04FC94B}">
-              <ma14:wrappingTextBoxFlag xmlns="" xmlns:ma14="http://schemas.microsoft.com/office/mac/drawingml/2011/main" val="1"/>
+              <ma14:wrappingTextBoxFlag xmlns:ma14="http://schemas.microsoft.com/office/mac/drawingml/2011/main" xmlns="" val="1"/>
             </a:ext>
           </a:extLst>
         </p:spPr>
@@ -10535,18 +10488,11 @@
               <a:t> </a:t>
             </a:r>
             <a:r>
-              <a:rPr dirty="0" err="1">
-                <a:latin typeface="Guttman Hatzvi" panose="02010401010101010101" pitchFamily="2" charset="-79"/>
-                <a:cs typeface="Guttman Hatzvi" panose="02010401010101010101" pitchFamily="2" charset="-79"/>
-              </a:rPr>
-              <a:t>איך</a:t>
-            </a:r>
-            <a:r>
-              <a:rPr dirty="0">
-                <a:latin typeface="Guttman Hatzvi" panose="02010401010101010101" pitchFamily="2" charset="-79"/>
-                <a:cs typeface="Guttman Hatzvi" panose="02010401010101010101" pitchFamily="2" charset="-79"/>
-              </a:rPr>
-              <a:t> </a:t>
+              <a:rPr dirty="0">
+                <a:latin typeface="Guttman Hatzvi" panose="02010401010101010101" pitchFamily="2" charset="-79"/>
+                <a:cs typeface="Guttman Hatzvi" panose="02010401010101010101" pitchFamily="2" charset="-79"/>
+              </a:rPr>
+              <a:t>איך </a:t>
             </a:r>
             <a:r>
               <a:rPr dirty="0" err="1">
@@ -11681,7 +11627,7 @@
           </a:ln>
           <a:extLst>
             <a:ext uri="{C572A759-6A51-4108-AA02-DFA0A04FC94B}">
-              <ma14:wrappingTextBoxFlag xmlns="" xmlns:ma14="http://schemas.microsoft.com/office/mac/drawingml/2011/main" val="1"/>
+              <ma14:wrappingTextBoxFlag xmlns:ma14="http://schemas.microsoft.com/office/mac/drawingml/2011/main" xmlns="" val="1"/>
             </a:ext>
           </a:extLst>
         </p:spPr>
